--- a/unix/유닉스 이론 강의자료/CH07_PIPE.pptx
+++ b/unix/유닉스 이론 강의자료/CH07_PIPE.pptx
@@ -337,7 +337,7 @@
               <a:pPr>
                 <a:defRPr/>
               </a:pPr>
-              <a:t>2018-09-03</a:t>
+              <a:t>2019-12-08</a:t>
             </a:fld>
             <a:endParaRPr lang="en-US" altLang="ko-KR"/>
           </a:p>
